--- a/week11_12/week_0901_data pipeline.pptx
+++ b/week11_12/week_0901_data pipeline.pptx
@@ -14704,30 +14704,16 @@
         </p:nvSpPr>
         <p:spPr/>
         <p:txBody>
-          <a:bodyPr/>
+          <a:bodyPr>
+            <a:normAutofit/>
+          </a:bodyPr>
           <a:lstStyle/>
           <a:p>
             <a:r>
-              <a:rPr lang="en-US" altLang="ko-KR" dirty="0"/>
-              <a:t>Data</a:t>
-            </a:r>
-            <a:r>
-              <a:rPr lang="ko-KR" altLang="en-US" dirty="0"/>
-              <a:t> </a:t>
-            </a:r>
-            <a:r>
-              <a:rPr lang="en-US" altLang="ko-KR" dirty="0"/>
-              <a:t>Acquisition</a:t>
-            </a:r>
-            <a:r>
-              <a:rPr lang="ko-KR" altLang="en-US" dirty="0"/>
-              <a:t> </a:t>
-            </a:r>
-            <a:r>
-              <a:rPr lang="en-US" altLang="ko-KR" dirty="0"/>
-              <a:t>Pipeline</a:t>
-            </a:r>
-            <a:endParaRPr lang="ko-KR" altLang="en-US" dirty="0"/>
+              <a:rPr lang="en-US" altLang="ko-KR" sz="3600" dirty="0"/>
+              <a:t>with-statement</a:t>
+            </a:r>
+            <a:endParaRPr lang="ko-KR" altLang="en-US" sz="3600" dirty="0"/>
           </a:p>
         </p:txBody>
       </p:sp>
@@ -14769,8 +14755,8 @@
         </p:nvSpPr>
         <p:spPr>
           <a:xfrm>
-            <a:off x="2393576" y="1529859"/>
-            <a:ext cx="7664824" cy="2246769"/>
+            <a:off x="1140010" y="1506709"/>
+            <a:ext cx="8339655" cy="2246769"/>
           </a:xfrm>
           <a:prstGeom prst="rect">
             <a:avLst/>
@@ -15195,6 +15181,60 @@
               <a:latin typeface="Arial" panose="020B0604020202020204" pitchFamily="34" charset="0"/>
               <a:cs typeface="Arial" panose="020B0604020202020204" pitchFamily="34" charset="0"/>
             </a:endParaRPr>
+          </a:p>
+        </p:txBody>
+      </p:sp>
+      <p:sp>
+        <p:nvSpPr>
+          <p:cNvPr id="6" name="TextBox 5">
+            <a:extLst>
+              <a:ext uri="{FF2B5EF4-FFF2-40B4-BE49-F238E27FC236}">
+                <a16:creationId xmlns:a16="http://schemas.microsoft.com/office/drawing/2014/main" id="{B157059E-F39D-5099-86BC-0A312C82B65D}"/>
+              </a:ext>
+            </a:extLst>
+          </p:cNvPr>
+          <p:cNvSpPr txBox="1"/>
+          <p:nvPr/>
+        </p:nvSpPr>
+        <p:spPr>
+          <a:xfrm>
+            <a:off x="1140010" y="4251583"/>
+            <a:ext cx="7891040" cy="369332"/>
+          </a:xfrm>
+          <a:prstGeom prst="rect">
+            <a:avLst/>
+          </a:prstGeom>
+          <a:noFill/>
+        </p:spPr>
+        <p:txBody>
+          <a:bodyPr wrap="square">
+            <a:spAutoFit/>
+          </a:bodyPr>
+          <a:lstStyle/>
+          <a:p>
+            <a:r>
+              <a:rPr lang="ko-KR" altLang="en-US" dirty="0">
+                <a:solidFill>
+                  <a:srgbClr val="FFFF00"/>
+                </a:solidFill>
+                <a:hlinkClick r:id="rId2">
+                  <a:extLst>
+                    <a:ext uri="{A12FA001-AC4F-418D-AE19-62706E023703}">
+                      <ahyp:hlinkClr xmlns:ahyp="http://schemas.microsoft.com/office/drawing/2018/hyperlinkcolor" val="tx"/>
+                    </a:ext>
+                  </a:extLst>
+                </a:hlinkClick>
+              </a:rPr>
+              <a:t>https://realpython.com/python-with-statement/#managing-resources-in-python</a:t>
+            </a:r>
+            <a:r>
+              <a:rPr lang="ko-KR" altLang="en-US" dirty="0">
+                <a:solidFill>
+                  <a:srgbClr val="FFFF00"/>
+                </a:solidFill>
+              </a:rPr>
+              <a:t> </a:t>
+            </a:r>
           </a:p>
         </p:txBody>
       </p:sp>
